--- a/clases/Cap06_Restauracion/presentations/IMG06_PSF.pptx
+++ b/clases/Cap06_Restauracion/presentations/IMG06_PSF.pptx
@@ -221,7 +221,7 @@
           <a:p>
             <a:fld id="{678C770B-B503-C841-A55C-00AF9EBD4322}" type="datetimeFigureOut">
               <a:rPr lang="en-US" smtClean="0"/>
-              <a:t>10/28/20</a:t>
+              <a:t>10/20/22</a:t>
             </a:fld>
             <a:endParaRPr lang="en-US"/>
           </a:p>
@@ -763,7 +763,7 @@
           <a:p>
             <a:fld id="{2D6C505C-4733-2D4D-B465-C1E86A553F67}" type="datetimeFigureOut">
               <a:rPr lang="en-US" smtClean="0"/>
-              <a:t>10/28/20</a:t>
+              <a:t>10/20/22</a:t>
             </a:fld>
             <a:endParaRPr lang="en-US"/>
           </a:p>
@@ -933,7 +933,7 @@
           <a:p>
             <a:fld id="{2D6C505C-4733-2D4D-B465-C1E86A553F67}" type="datetimeFigureOut">
               <a:rPr lang="en-US" smtClean="0"/>
-              <a:t>10/28/20</a:t>
+              <a:t>10/20/22</a:t>
             </a:fld>
             <a:endParaRPr lang="en-US"/>
           </a:p>
@@ -1113,7 +1113,7 @@
           <a:p>
             <a:fld id="{2D6C505C-4733-2D4D-B465-C1E86A553F67}" type="datetimeFigureOut">
               <a:rPr lang="en-US" smtClean="0"/>
-              <a:t>10/28/20</a:t>
+              <a:t>10/20/22</a:t>
             </a:fld>
             <a:endParaRPr lang="en-US"/>
           </a:p>
@@ -1283,7 +1283,7 @@
           <a:p>
             <a:fld id="{2D6C505C-4733-2D4D-B465-C1E86A553F67}" type="datetimeFigureOut">
               <a:rPr lang="en-US" smtClean="0"/>
-              <a:t>10/28/20</a:t>
+              <a:t>10/20/22</a:t>
             </a:fld>
             <a:endParaRPr lang="en-US"/>
           </a:p>
@@ -1529,7 +1529,7 @@
           <a:p>
             <a:fld id="{2D6C505C-4733-2D4D-B465-C1E86A553F67}" type="datetimeFigureOut">
               <a:rPr lang="en-US" smtClean="0"/>
-              <a:t>10/28/20</a:t>
+              <a:t>10/20/22</a:t>
             </a:fld>
             <a:endParaRPr lang="en-US"/>
           </a:p>
@@ -1817,7 +1817,7 @@
           <a:p>
             <a:fld id="{2D6C505C-4733-2D4D-B465-C1E86A553F67}" type="datetimeFigureOut">
               <a:rPr lang="en-US" smtClean="0"/>
-              <a:t>10/28/20</a:t>
+              <a:t>10/20/22</a:t>
             </a:fld>
             <a:endParaRPr lang="en-US"/>
           </a:p>
@@ -2239,7 +2239,7 @@
           <a:p>
             <a:fld id="{2D6C505C-4733-2D4D-B465-C1E86A553F67}" type="datetimeFigureOut">
               <a:rPr lang="en-US" smtClean="0"/>
-              <a:t>10/28/20</a:t>
+              <a:t>10/20/22</a:t>
             </a:fld>
             <a:endParaRPr lang="en-US"/>
           </a:p>
@@ -2357,7 +2357,7 @@
           <a:p>
             <a:fld id="{2D6C505C-4733-2D4D-B465-C1E86A553F67}" type="datetimeFigureOut">
               <a:rPr lang="en-US" smtClean="0"/>
-              <a:t>10/28/20</a:t>
+              <a:t>10/20/22</a:t>
             </a:fld>
             <a:endParaRPr lang="en-US"/>
           </a:p>
@@ -2452,7 +2452,7 @@
           <a:p>
             <a:fld id="{2D6C505C-4733-2D4D-B465-C1E86A553F67}" type="datetimeFigureOut">
               <a:rPr lang="en-US" smtClean="0"/>
-              <a:t>10/28/20</a:t>
+              <a:t>10/20/22</a:t>
             </a:fld>
             <a:endParaRPr lang="en-US"/>
           </a:p>
@@ -2729,7 +2729,7 @@
           <a:p>
             <a:fld id="{2D6C505C-4733-2D4D-B465-C1E86A553F67}" type="datetimeFigureOut">
               <a:rPr lang="en-US" smtClean="0"/>
-              <a:t>10/28/20</a:t>
+              <a:t>10/20/22</a:t>
             </a:fld>
             <a:endParaRPr lang="en-US"/>
           </a:p>
@@ -2982,7 +2982,7 @@
           <a:p>
             <a:fld id="{2D6C505C-4733-2D4D-B465-C1E86A553F67}" type="datetimeFigureOut">
               <a:rPr lang="en-US" smtClean="0"/>
-              <a:t>10/28/20</a:t>
+              <a:t>10/20/22</a:t>
             </a:fld>
             <a:endParaRPr lang="en-US"/>
           </a:p>
@@ -3195,7 +3195,7 @@
           <a:p>
             <a:fld id="{2D6C505C-4733-2D4D-B465-C1E86A553F67}" type="datetimeFigureOut">
               <a:rPr lang="en-US" smtClean="0"/>
-              <a:t>10/28/20</a:t>
+              <a:t>10/20/22</a:t>
             </a:fld>
             <a:endParaRPr lang="en-US"/>
           </a:p>
@@ -3928,7 +3928,7 @@
                 </a:solidFill>
                 <a:latin typeface="Trebuchet MS" pitchFamily="34" charset="0"/>
               </a:rPr>
-              <a:t>Departmento de Ciencia de la Computación</a:t>
+              <a:t>Departamento de Ciencia de la Computación</a:t>
             </a:r>
           </a:p>
           <a:p>
@@ -3956,27 +3956,8 @@
                 </a:solidFill>
                 <a:latin typeface="Trebuchet MS" pitchFamily="34" charset="0"/>
               </a:rPr>
-              <a:t>Universidad Católica </a:t>
-            </a:r>
-            <a:r>
-              <a:rPr lang="es-CL" sz="1200">
-                <a:solidFill>
-                  <a:schemeClr val="bg1">
-                    <a:lumMod val="75000"/>
-                  </a:schemeClr>
-                </a:solidFill>
-                <a:latin typeface="Trebuchet MS" pitchFamily="34" charset="0"/>
-              </a:rPr>
-              <a:t>de Chile</a:t>
-            </a:r>
-            <a:endParaRPr lang="es-CL" sz="1200" dirty="0">
-              <a:solidFill>
-                <a:schemeClr val="bg1">
-                  <a:lumMod val="75000"/>
-                </a:schemeClr>
-              </a:solidFill>
-              <a:latin typeface="Trebuchet MS" pitchFamily="34" charset="0"/>
-            </a:endParaRPr>
+              <a:t>Universidad Católica de Chile</a:t>
+            </a:r>
           </a:p>
         </p:txBody>
       </p:sp>
@@ -5353,124 +5334,8 @@
           <a:lstStyle/>
           <a:p>
             <a:r>
-              <a:rPr lang="en-US" dirty="0" err="1"/>
-              <a:t>En</a:t>
-            </a:r>
-            <a:r>
-              <a:rPr lang="en-US" dirty="0"/>
-              <a:t> Fourier, la </a:t>
-            </a:r>
-            <a:r>
-              <a:rPr lang="en-US" dirty="0" err="1"/>
-              <a:t>transformada</a:t>
-            </a:r>
-            <a:r>
-              <a:rPr lang="en-US" dirty="0"/>
-              <a:t> de </a:t>
-            </a:r>
-            <a:r>
-              <a:rPr lang="en-US" dirty="0" err="1"/>
-              <a:t>cada</a:t>
-            </a:r>
-            <a:r>
-              <a:rPr lang="en-US" dirty="0"/>
-              <a:t> fila de la imagen original es </a:t>
-            </a:r>
-            <a:r>
-              <a:rPr lang="en-US" dirty="0" err="1"/>
-              <a:t>multiplicada</a:t>
-            </a:r>
-            <a:r>
-              <a:rPr lang="en-US" dirty="0"/>
-              <a:t> por H(w), </a:t>
-            </a:r>
-            <a:r>
-              <a:rPr lang="en-US" dirty="0" err="1"/>
-              <a:t>esto</a:t>
-            </a:r>
-            <a:r>
-              <a:rPr lang="en-US" dirty="0"/>
-              <a:t> </a:t>
-            </a:r>
-            <a:r>
-              <a:rPr lang="en-US" dirty="0" err="1"/>
-              <a:t>quiere</a:t>
-            </a:r>
-            <a:r>
-              <a:rPr lang="en-US" dirty="0"/>
-              <a:t> </a:t>
-            </a:r>
-            <a:r>
-              <a:rPr lang="en-US" dirty="0" err="1"/>
-              <a:t>decir</a:t>
-            </a:r>
-            <a:r>
-              <a:rPr lang="en-US" dirty="0"/>
-              <a:t> que </a:t>
-            </a:r>
-            <a:r>
-              <a:rPr lang="en-US" dirty="0" err="1"/>
-              <a:t>esta</a:t>
-            </a:r>
-            <a:r>
-              <a:rPr lang="en-US" dirty="0"/>
-              <a:t> </a:t>
-            </a:r>
-            <a:r>
-              <a:rPr lang="en-US" dirty="0" err="1"/>
-              <a:t>transformada</a:t>
-            </a:r>
-            <a:r>
-              <a:rPr lang="en-US" dirty="0"/>
-              <a:t> </a:t>
-            </a:r>
-            <a:r>
-              <a:rPr lang="en-US" dirty="0" err="1"/>
-              <a:t>tendra</a:t>
-            </a:r>
-            <a:r>
-              <a:rPr lang="en-US" dirty="0"/>
-              <a:t> una forma </a:t>
-            </a:r>
-            <a:r>
-              <a:rPr lang="en-US" dirty="0" err="1"/>
-              <a:t>periódica</a:t>
-            </a:r>
-            <a:r>
-              <a:rPr lang="en-US" dirty="0"/>
-              <a:t> </a:t>
-            </a:r>
-            <a:r>
-              <a:rPr lang="en-US" dirty="0" err="1"/>
-              <a:t>cuyo</a:t>
-            </a:r>
-            <a:r>
-              <a:rPr lang="en-US" dirty="0"/>
-              <a:t> </a:t>
-            </a:r>
-            <a:r>
-              <a:rPr lang="en-US" dirty="0" err="1"/>
-              <a:t>periodo</a:t>
-            </a:r>
-            <a:r>
-              <a:rPr lang="en-US" dirty="0"/>
-              <a:t> </a:t>
-            </a:r>
-            <a:r>
-              <a:rPr lang="en-US" dirty="0" err="1"/>
-              <a:t>depende</a:t>
-            </a:r>
-            <a:r>
-              <a:rPr lang="en-US" dirty="0"/>
-              <a:t> de n, el ancho del </a:t>
-            </a:r>
-            <a:r>
-              <a:rPr lang="en-US" dirty="0" err="1"/>
-              <a:t>pulso</a:t>
-            </a:r>
-            <a:r>
-              <a:rPr lang="en-US" dirty="0"/>
-              <a:t> de h.</a:t>
+              <a:rPr lang="es-ES_tradnl" dirty="0"/>
+              <a:t>En Fourier, la transformada de cada fila de la imagen original es multiplicada por H(w), esto quiere decir que esta transformada tendrá una forma periódica cuyo periodo depende de n, el ancho del pulso de h.</a:t>
             </a:r>
           </a:p>
         </p:txBody>
@@ -6238,8 +6103,12 @@
           <a:lstStyle/>
           <a:p>
             <a:r>
+              <a:rPr lang="en-US"/>
+              <a:t>Máximo</a:t>
+            </a:r>
+            <a:r>
               <a:rPr lang="en-US" dirty="0"/>
-              <a:t>Maximo </a:t>
+              <a:t> </a:t>
             </a:r>
             <a:r>
               <a:rPr lang="en-US" dirty="0" err="1"/>
